--- a/Calendario2024/Presentaciones/6_DHCP.pptx
+++ b/Calendario2024/Presentaciones/6_DHCP.pptx
@@ -214,7 +214,7 @@
           <a:p>
             <a:fld id="{2D445F07-8756-451B-A938-0248325FC7BB}" type="datetimeFigureOut">
               <a:rPr lang="es-MX" smtClean="0"/>
-              <a:t>10/04/2023</a:t>
+              <a:t>27/05/2024</a:t>
             </a:fld>
             <a:endParaRPr lang="es-MX" dirty="0"/>
           </a:p>
@@ -373,7 +373,7 @@
           <a:p>
             <a:fld id="{5993AEC0-242E-4FA7-9D3C-51E1036AC3CB}" type="slidenum">
               <a:rPr lang="es-MX" smtClean="0"/>
-              <a:t>‹Nº›</a:t>
+              <a:t>‹#›</a:t>
             </a:fld>
             <a:endParaRPr lang="es-MX" dirty="0"/>
           </a:p>
@@ -1003,7 +1003,7 @@
           <a:p>
             <a:fld id="{5E75A0DC-66C6-4CEC-A5EB-F8C97CEC3796}" type="datetimeFigureOut">
               <a:rPr lang="es-MX" smtClean="0"/>
-              <a:t>10/04/2023</a:t>
+              <a:t>27/05/2024</a:t>
             </a:fld>
             <a:endParaRPr lang="es-MX" dirty="0"/>
           </a:p>
@@ -1045,7 +1045,7 @@
           <a:p>
             <a:fld id="{C077EE1E-7A06-4E7F-9AFB-189FC69B7B0C}" type="slidenum">
               <a:rPr lang="es-MX" smtClean="0"/>
-              <a:t>‹Nº›</a:t>
+              <a:t>‹#›</a:t>
             </a:fld>
             <a:endParaRPr lang="es-MX" dirty="0"/>
           </a:p>
@@ -1173,7 +1173,7 @@
           <a:p>
             <a:fld id="{5E75A0DC-66C6-4CEC-A5EB-F8C97CEC3796}" type="datetimeFigureOut">
               <a:rPr lang="es-MX" smtClean="0"/>
-              <a:t>10/04/2023</a:t>
+              <a:t>27/05/2024</a:t>
             </a:fld>
             <a:endParaRPr lang="es-MX" dirty="0"/>
           </a:p>
@@ -1215,7 +1215,7 @@
           <a:p>
             <a:fld id="{C077EE1E-7A06-4E7F-9AFB-189FC69B7B0C}" type="slidenum">
               <a:rPr lang="es-MX" smtClean="0"/>
-              <a:t>‹Nº›</a:t>
+              <a:t>‹#›</a:t>
             </a:fld>
             <a:endParaRPr lang="es-MX" dirty="0"/>
           </a:p>
@@ -1353,7 +1353,7 @@
           <a:p>
             <a:fld id="{5E75A0DC-66C6-4CEC-A5EB-F8C97CEC3796}" type="datetimeFigureOut">
               <a:rPr lang="es-MX" smtClean="0"/>
-              <a:t>10/04/2023</a:t>
+              <a:t>27/05/2024</a:t>
             </a:fld>
             <a:endParaRPr lang="es-MX" dirty="0"/>
           </a:p>
@@ -1395,7 +1395,7 @@
           <a:p>
             <a:fld id="{C077EE1E-7A06-4E7F-9AFB-189FC69B7B0C}" type="slidenum">
               <a:rPr lang="es-MX" smtClean="0"/>
-              <a:t>‹Nº›</a:t>
+              <a:t>‹#›</a:t>
             </a:fld>
             <a:endParaRPr lang="es-MX" dirty="0"/>
           </a:p>
@@ -1523,7 +1523,7 @@
           <a:p>
             <a:fld id="{5E75A0DC-66C6-4CEC-A5EB-F8C97CEC3796}" type="datetimeFigureOut">
               <a:rPr lang="es-MX" smtClean="0"/>
-              <a:t>10/04/2023</a:t>
+              <a:t>27/05/2024</a:t>
             </a:fld>
             <a:endParaRPr lang="es-MX" dirty="0"/>
           </a:p>
@@ -1565,7 +1565,7 @@
           <a:p>
             <a:fld id="{C077EE1E-7A06-4E7F-9AFB-189FC69B7B0C}" type="slidenum">
               <a:rPr lang="es-MX" smtClean="0"/>
-              <a:t>‹Nº›</a:t>
+              <a:t>‹#›</a:t>
             </a:fld>
             <a:endParaRPr lang="es-MX" dirty="0"/>
           </a:p>
@@ -1769,7 +1769,7 @@
           <a:p>
             <a:fld id="{5E75A0DC-66C6-4CEC-A5EB-F8C97CEC3796}" type="datetimeFigureOut">
               <a:rPr lang="es-MX" smtClean="0"/>
-              <a:t>10/04/2023</a:t>
+              <a:t>27/05/2024</a:t>
             </a:fld>
             <a:endParaRPr lang="es-MX" dirty="0"/>
           </a:p>
@@ -1811,7 +1811,7 @@
           <a:p>
             <a:fld id="{C077EE1E-7A06-4E7F-9AFB-189FC69B7B0C}" type="slidenum">
               <a:rPr lang="es-MX" smtClean="0"/>
-              <a:t>‹Nº›</a:t>
+              <a:t>‹#›</a:t>
             </a:fld>
             <a:endParaRPr lang="es-MX" dirty="0"/>
           </a:p>
@@ -2057,7 +2057,7 @@
           <a:p>
             <a:fld id="{5E75A0DC-66C6-4CEC-A5EB-F8C97CEC3796}" type="datetimeFigureOut">
               <a:rPr lang="es-MX" smtClean="0"/>
-              <a:t>10/04/2023</a:t>
+              <a:t>27/05/2024</a:t>
             </a:fld>
             <a:endParaRPr lang="es-MX" dirty="0"/>
           </a:p>
@@ -2099,7 +2099,7 @@
           <a:p>
             <a:fld id="{C077EE1E-7A06-4E7F-9AFB-189FC69B7B0C}" type="slidenum">
               <a:rPr lang="es-MX" smtClean="0"/>
-              <a:t>‹Nº›</a:t>
+              <a:t>‹#›</a:t>
             </a:fld>
             <a:endParaRPr lang="es-MX" dirty="0"/>
           </a:p>
@@ -2479,7 +2479,7 @@
           <a:p>
             <a:fld id="{5E75A0DC-66C6-4CEC-A5EB-F8C97CEC3796}" type="datetimeFigureOut">
               <a:rPr lang="es-MX" smtClean="0"/>
-              <a:t>10/04/2023</a:t>
+              <a:t>27/05/2024</a:t>
             </a:fld>
             <a:endParaRPr lang="es-MX" dirty="0"/>
           </a:p>
@@ -2521,7 +2521,7 @@
           <a:p>
             <a:fld id="{C077EE1E-7A06-4E7F-9AFB-189FC69B7B0C}" type="slidenum">
               <a:rPr lang="es-MX" smtClean="0"/>
-              <a:t>‹Nº›</a:t>
+              <a:t>‹#›</a:t>
             </a:fld>
             <a:endParaRPr lang="es-MX" dirty="0"/>
           </a:p>
@@ -2597,7 +2597,7 @@
           <a:p>
             <a:fld id="{5E75A0DC-66C6-4CEC-A5EB-F8C97CEC3796}" type="datetimeFigureOut">
               <a:rPr lang="es-MX" smtClean="0"/>
-              <a:t>10/04/2023</a:t>
+              <a:t>27/05/2024</a:t>
             </a:fld>
             <a:endParaRPr lang="es-MX" dirty="0"/>
           </a:p>
@@ -2639,7 +2639,7 @@
           <a:p>
             <a:fld id="{C077EE1E-7A06-4E7F-9AFB-189FC69B7B0C}" type="slidenum">
               <a:rPr lang="es-MX" smtClean="0"/>
-              <a:t>‹Nº›</a:t>
+              <a:t>‹#›</a:t>
             </a:fld>
             <a:endParaRPr lang="es-MX" dirty="0"/>
           </a:p>
@@ -2692,7 +2692,7 @@
           <a:p>
             <a:fld id="{5E75A0DC-66C6-4CEC-A5EB-F8C97CEC3796}" type="datetimeFigureOut">
               <a:rPr lang="es-MX" smtClean="0"/>
-              <a:t>10/04/2023</a:t>
+              <a:t>27/05/2024</a:t>
             </a:fld>
             <a:endParaRPr lang="es-MX" dirty="0"/>
           </a:p>
@@ -2734,7 +2734,7 @@
           <a:p>
             <a:fld id="{C077EE1E-7A06-4E7F-9AFB-189FC69B7B0C}" type="slidenum">
               <a:rPr lang="es-MX" smtClean="0"/>
-              <a:t>‹Nº›</a:t>
+              <a:t>‹#›</a:t>
             </a:fld>
             <a:endParaRPr lang="es-MX" dirty="0"/>
           </a:p>
@@ -2969,7 +2969,7 @@
           <a:p>
             <a:fld id="{5E75A0DC-66C6-4CEC-A5EB-F8C97CEC3796}" type="datetimeFigureOut">
               <a:rPr lang="es-MX" smtClean="0"/>
-              <a:t>10/04/2023</a:t>
+              <a:t>27/05/2024</a:t>
             </a:fld>
             <a:endParaRPr lang="es-MX" dirty="0"/>
           </a:p>
@@ -3011,7 +3011,7 @@
           <a:p>
             <a:fld id="{C077EE1E-7A06-4E7F-9AFB-189FC69B7B0C}" type="slidenum">
               <a:rPr lang="es-MX" smtClean="0"/>
-              <a:t>‹Nº›</a:t>
+              <a:t>‹#›</a:t>
             </a:fld>
             <a:endParaRPr lang="es-MX" dirty="0"/>
           </a:p>
@@ -3222,7 +3222,7 @@
           <a:p>
             <a:fld id="{5E75A0DC-66C6-4CEC-A5EB-F8C97CEC3796}" type="datetimeFigureOut">
               <a:rPr lang="es-MX" smtClean="0"/>
-              <a:t>10/04/2023</a:t>
+              <a:t>27/05/2024</a:t>
             </a:fld>
             <a:endParaRPr lang="es-MX" dirty="0"/>
           </a:p>
@@ -3264,7 +3264,7 @@
           <a:p>
             <a:fld id="{C077EE1E-7A06-4E7F-9AFB-189FC69B7B0C}" type="slidenum">
               <a:rPr lang="es-MX" smtClean="0"/>
-              <a:t>‹Nº›</a:t>
+              <a:t>‹#›</a:t>
             </a:fld>
             <a:endParaRPr lang="es-MX" dirty="0"/>
           </a:p>
@@ -3435,7 +3435,7 @@
           <a:p>
             <a:fld id="{5E75A0DC-66C6-4CEC-A5EB-F8C97CEC3796}" type="datetimeFigureOut">
               <a:rPr lang="es-MX" smtClean="0"/>
-              <a:t>10/04/2023</a:t>
+              <a:t>27/05/2024</a:t>
             </a:fld>
             <a:endParaRPr lang="es-MX" dirty="0"/>
           </a:p>
@@ -3513,7 +3513,7 @@
           <a:p>
             <a:fld id="{C077EE1E-7A06-4E7F-9AFB-189FC69B7B0C}" type="slidenum">
               <a:rPr lang="es-MX" smtClean="0"/>
-              <a:t>‹Nº›</a:t>
+              <a:t>‹#›</a:t>
             </a:fld>
             <a:endParaRPr lang="es-MX" dirty="0"/>
           </a:p>
@@ -6036,7 +6036,7 @@
               <a:t> </a:t>
             </a:r>
             <a:r>
-              <a:rPr lang="es-MX" sz="1600" dirty="0" err="1">
+              <a:rPr lang="es-MX" sz="1600" dirty="0">
                 <a:solidFill>
                   <a:schemeClr val="bg2">
                     <a:lumMod val="25000"/>
@@ -6045,19 +6045,7 @@
                 <a:latin typeface="Arial" panose="020B0604020202020204" pitchFamily="34" charset="0"/>
                 <a:cs typeface="Arial" panose="020B0604020202020204" pitchFamily="34" charset="0"/>
               </a:rPr>
-              <a:t>dirIP_inicial</a:t>
-            </a:r>
-            <a:r>
-              <a:rPr lang="es-MX" sz="1600" dirty="0">
-                <a:solidFill>
-                  <a:schemeClr val="bg2">
-                    <a:lumMod val="25000"/>
-                  </a:schemeClr>
-                </a:solidFill>
-                <a:latin typeface="Arial" panose="020B0604020202020204" pitchFamily="34" charset="0"/>
-                <a:cs typeface="Arial" panose="020B0604020202020204" pitchFamily="34" charset="0"/>
-              </a:rPr>
-              <a:t> Máscara de subred</a:t>
+              <a:t>Dirección de red Máscara de subred</a:t>
             </a:r>
           </a:p>
         </p:txBody>
